--- a/public/Online_Task/Stimuli/uws_instr_slides_ver2_jpg_o2.pptx
+++ b/public/Online_Task/Stimuli/uws_instr_slides_ver2_jpg_o2.pptx
@@ -219,7 +219,7 @@
           <a:p>
             <a:fld id="{13EAB001-375A-47A6-A0AF-DD7CD76DA757}" type="datetimeFigureOut">
               <a:rPr lang="en-GB" smtClean="0"/>
-              <a:t>09/04/2022</a:t>
+              <a:t>07/07/2022</a:t>
             </a:fld>
             <a:endParaRPr lang="en-GB"/>
           </a:p>
@@ -834,7 +834,7 @@
           <a:p>
             <a:fld id="{538185A6-F7C7-2D4F-BA59-879D5B10606E}" type="datetimeFigureOut">
               <a:rPr lang="en-US" smtClean="0"/>
-              <a:t>4/9/22</a:t>
+              <a:t>7/7/22</a:t>
             </a:fld>
             <a:endParaRPr lang="en-US"/>
           </a:p>
@@ -1002,7 +1002,7 @@
           <a:p>
             <a:fld id="{538185A6-F7C7-2D4F-BA59-879D5B10606E}" type="datetimeFigureOut">
               <a:rPr lang="en-US" smtClean="0"/>
-              <a:t>4/9/22</a:t>
+              <a:t>7/7/22</a:t>
             </a:fld>
             <a:endParaRPr lang="en-US"/>
           </a:p>
@@ -1180,7 +1180,7 @@
           <a:p>
             <a:fld id="{538185A6-F7C7-2D4F-BA59-879D5B10606E}" type="datetimeFigureOut">
               <a:rPr lang="en-US" smtClean="0"/>
-              <a:t>4/9/22</a:t>
+              <a:t>7/7/22</a:t>
             </a:fld>
             <a:endParaRPr lang="en-US"/>
           </a:p>
@@ -1348,7 +1348,7 @@
           <a:p>
             <a:fld id="{538185A6-F7C7-2D4F-BA59-879D5B10606E}" type="datetimeFigureOut">
               <a:rPr lang="en-US" smtClean="0"/>
-              <a:t>4/9/22</a:t>
+              <a:t>7/7/22</a:t>
             </a:fld>
             <a:endParaRPr lang="en-US"/>
           </a:p>
@@ -1593,7 +1593,7 @@
           <a:p>
             <a:fld id="{538185A6-F7C7-2D4F-BA59-879D5B10606E}" type="datetimeFigureOut">
               <a:rPr lang="en-US" smtClean="0"/>
-              <a:t>4/9/22</a:t>
+              <a:t>7/7/22</a:t>
             </a:fld>
             <a:endParaRPr lang="en-US"/>
           </a:p>
@@ -1878,7 +1878,7 @@
           <a:p>
             <a:fld id="{538185A6-F7C7-2D4F-BA59-879D5B10606E}" type="datetimeFigureOut">
               <a:rPr lang="en-US" smtClean="0"/>
-              <a:t>4/9/22</a:t>
+              <a:t>7/7/22</a:t>
             </a:fld>
             <a:endParaRPr lang="en-US"/>
           </a:p>
@@ -2297,7 +2297,7 @@
           <a:p>
             <a:fld id="{538185A6-F7C7-2D4F-BA59-879D5B10606E}" type="datetimeFigureOut">
               <a:rPr lang="en-US" smtClean="0"/>
-              <a:t>4/9/22</a:t>
+              <a:t>7/7/22</a:t>
             </a:fld>
             <a:endParaRPr lang="en-US"/>
           </a:p>
@@ -2414,7 +2414,7 @@
           <a:p>
             <a:fld id="{538185A6-F7C7-2D4F-BA59-879D5B10606E}" type="datetimeFigureOut">
               <a:rPr lang="en-US" smtClean="0"/>
-              <a:t>4/9/22</a:t>
+              <a:t>7/7/22</a:t>
             </a:fld>
             <a:endParaRPr lang="en-US"/>
           </a:p>
@@ -2509,7 +2509,7 @@
           <a:p>
             <a:fld id="{538185A6-F7C7-2D4F-BA59-879D5B10606E}" type="datetimeFigureOut">
               <a:rPr lang="en-US" smtClean="0"/>
-              <a:t>4/9/22</a:t>
+              <a:t>7/7/22</a:t>
             </a:fld>
             <a:endParaRPr lang="en-US"/>
           </a:p>
@@ -2784,7 +2784,7 @@
           <a:p>
             <a:fld id="{538185A6-F7C7-2D4F-BA59-879D5B10606E}" type="datetimeFigureOut">
               <a:rPr lang="en-US" smtClean="0"/>
-              <a:t>4/9/22</a:t>
+              <a:t>7/7/22</a:t>
             </a:fld>
             <a:endParaRPr lang="en-US"/>
           </a:p>
@@ -3036,7 +3036,7 @@
           <a:p>
             <a:fld id="{538185A6-F7C7-2D4F-BA59-879D5B10606E}" type="datetimeFigureOut">
               <a:rPr lang="en-US" smtClean="0"/>
-              <a:t>4/9/22</a:t>
+              <a:t>7/7/22</a:t>
             </a:fld>
             <a:endParaRPr lang="en-US"/>
           </a:p>
@@ -3247,7 +3247,7 @@
           <a:p>
             <a:fld id="{538185A6-F7C7-2D4F-BA59-879D5B10606E}" type="datetimeFigureOut">
               <a:rPr lang="en-US" smtClean="0"/>
-              <a:t>4/9/22</a:t>
+              <a:t>7/7/22</a:t>
             </a:fld>
             <a:endParaRPr lang="en-US"/>
           </a:p>
@@ -3659,7 +3659,7 @@
             </a:pPr>
             <a:r>
               <a:rPr lang="en-US" sz="2400" dirty="0"/>
-              <a:t>In this experiment, you will perform two tasks at a video-game casino. The entire experiment will take somewhere between 40 and 50 minutes.</a:t>
+              <a:t>In this experiment, you will perform two tasks at a video-game casino. The entire experiment will take about an hour.</a:t>
             </a:r>
           </a:p>
           <a:p>
@@ -3674,7 +3674,7 @@
             </a:pPr>
             <a:r>
               <a:rPr lang="en-US" sz="2400" dirty="0"/>
-              <a:t>You will receive a base-pay of £8.00 per hour with a possible bonus of 0 - £3, depending on your choices and response times.</a:t>
+              <a:t>You will receive a base-pay of £8.50 with a possible bonus of 0 - £3, depending on your choices and response times.</a:t>
             </a:r>
           </a:p>
         </p:txBody>
@@ -3727,7 +3727,7 @@
         </p:spPr>
         <p:txBody>
           <a:bodyPr>
-            <a:normAutofit fontScale="55000" lnSpcReduction="20000"/>
+            <a:normAutofit fontScale="47500" lnSpcReduction="20000"/>
           </a:bodyPr>
           <a:lstStyle/>
           <a:p>
@@ -3745,25 +3745,55 @@
           <a:p>
             <a:r>
               <a:rPr lang="en-GB" dirty="0"/>
-              <a:t>Sometimes right after the slot machine comes on the screen, it will immediately disappear, and you will see one of the banknote pictures.</a:t>
+              <a:t>Sometimes right after the slot machine comes on the screen, instead of a prompt appearing to let you make a choice, the slot machine will disappear.</a:t>
             </a:r>
           </a:p>
           <a:p>
             <a:r>
               <a:rPr lang="en-GB" dirty="0"/>
-              <a:t>You will need to press a key as fast as you can  to indicate which picture.</a:t>
+              <a:t>You’ll see all 3 outcome images. </a:t>
             </a:r>
           </a:p>
           <a:p>
             <a:r>
               <a:rPr lang="en-GB" dirty="0"/>
-              <a:t>Press ‘g’ for the girl picture, ’s’ for the scissors picture, or ‘h’ for the house picture.</a:t>
+              <a:t>One outcome images will have an arrow-head symbol.</a:t>
             </a:r>
           </a:p>
           <a:p>
             <a:r>
               <a:rPr lang="en-GB" dirty="0"/>
-              <a:t>A portion of your bonus will be determined both by your correctness as well as how fast you make a response on these trials!</a:t>
+              <a:t>You will need to press an arrow key as fast as you can  to indicate the direction of the arrow symbol. </a:t>
+            </a:r>
+          </a:p>
+          <a:p>
+            <a:r>
+              <a:rPr lang="en-GB" dirty="0"/>
+              <a:t>Press the left-arrow key if the arrow symbol is ‘&lt;‘. </a:t>
+            </a:r>
+          </a:p>
+          <a:p>
+            <a:r>
+              <a:rPr lang="en-GB" dirty="0"/>
+              <a:t>Press the right-arrow key if the symbol is ‘&gt;’.</a:t>
+            </a:r>
+          </a:p>
+          <a:p>
+            <a:r>
+              <a:rPr lang="en-GB" dirty="0"/>
+              <a:t>Which outcome picture the symbol appears over is not important.</a:t>
+            </a:r>
+          </a:p>
+          <a:p>
+            <a:r>
+              <a:rPr lang="en-GB" dirty="0"/>
+              <a:t>It is important to make this press as fast as you can. Your time to make this press will be limited.</a:t>
+            </a:r>
+          </a:p>
+          <a:p>
+            <a:r>
+              <a:rPr lang="en-GB" dirty="0"/>
+              <a:t>A portion of your bonus will be determined both by your correctness in reporting the arrow direction as well as how fast you make a response on these trials!</a:t>
             </a:r>
           </a:p>
           <a:p>
@@ -3774,12 +3804,48 @@
           </a:p>
         </p:txBody>
       </p:sp>
+      <p:sp>
+        <p:nvSpPr>
+          <p:cNvPr id="6" name="TextBox 5">
+            <a:extLst>
+              <a:ext uri="{FF2B5EF4-FFF2-40B4-BE49-F238E27FC236}">
+                <a16:creationId xmlns:a16="http://schemas.microsoft.com/office/drawing/2014/main" id="{A00267DA-1B77-0942-B831-81433B268867}"/>
+              </a:ext>
+            </a:extLst>
+          </p:cNvPr>
+          <p:cNvSpPr txBox="1"/>
+          <p:nvPr/>
+        </p:nvSpPr>
+        <p:spPr>
+          <a:xfrm>
+            <a:off x="4572000" y="4792125"/>
+            <a:ext cx="4572000" cy="1200329"/>
+          </a:xfrm>
+          <a:prstGeom prst="rect">
+            <a:avLst/>
+          </a:prstGeom>
+          <a:noFill/>
+        </p:spPr>
+        <p:txBody>
+          <a:bodyPr wrap="square">
+            <a:spAutoFit/>
+          </a:bodyPr>
+          <a:lstStyle/>
+          <a:p>
+            <a:r>
+              <a:rPr lang="en-GB" dirty="0"/>
+              <a:t>On this screen, you would need to press the left-arrow key as fast as you can, to indicate that the symbol ‘&lt;‘ is appearing on the house image.</a:t>
+            </a:r>
+            <a:endParaRPr lang="en-US" dirty="0"/>
+          </a:p>
+        </p:txBody>
+      </p:sp>
       <p:pic>
         <p:nvPicPr>
-          <p:cNvPr id="4" name="Picture 3">
+          <p:cNvPr id="2" name="Picture 1">
             <a:extLst>
               <a:ext uri="{FF2B5EF4-FFF2-40B4-BE49-F238E27FC236}">
-                <a16:creationId xmlns:a16="http://schemas.microsoft.com/office/drawing/2014/main" id="{8FFEDB52-0166-624A-90C7-4EFA82C20FA5}"/>
+                <a16:creationId xmlns:a16="http://schemas.microsoft.com/office/drawing/2014/main" id="{614E9004-4B78-E0D5-1450-41D72A8F6981}"/>
               </a:ext>
             </a:extLst>
           </p:cNvPr>
@@ -3796,50 +3862,14 @@
         </p:blipFill>
         <p:spPr>
           <a:xfrm>
-            <a:off x="4572000" y="1419544"/>
-            <a:ext cx="4427621" cy="3284688"/>
+            <a:off x="4889635" y="866715"/>
+            <a:ext cx="3609613" cy="3573589"/>
           </a:xfrm>
           <a:prstGeom prst="rect">
             <a:avLst/>
           </a:prstGeom>
         </p:spPr>
       </p:pic>
-      <p:sp>
-        <p:nvSpPr>
-          <p:cNvPr id="6" name="TextBox 5">
-            <a:extLst>
-              <a:ext uri="{FF2B5EF4-FFF2-40B4-BE49-F238E27FC236}">
-                <a16:creationId xmlns:a16="http://schemas.microsoft.com/office/drawing/2014/main" id="{A00267DA-1B77-0942-B831-81433B268867}"/>
-              </a:ext>
-            </a:extLst>
-          </p:cNvPr>
-          <p:cNvSpPr txBox="1"/>
-          <p:nvPr/>
-        </p:nvSpPr>
-        <p:spPr>
-          <a:xfrm>
-            <a:off x="4572000" y="4792125"/>
-            <a:ext cx="4572000" cy="923330"/>
-          </a:xfrm>
-          <a:prstGeom prst="rect">
-            <a:avLst/>
-          </a:prstGeom>
-          <a:noFill/>
-        </p:spPr>
-        <p:txBody>
-          <a:bodyPr wrap="square">
-            <a:spAutoFit/>
-          </a:bodyPr>
-          <a:lstStyle/>
-          <a:p>
-            <a:r>
-              <a:rPr lang="en-GB" dirty="0"/>
-              <a:t>On this screen, you would need to press the key ‘g’ as fast as you can, to indicate that it is the girl image.</a:t>
-            </a:r>
-            <a:endParaRPr lang="en-US" dirty="0"/>
-          </a:p>
-        </p:txBody>
-      </p:sp>
     </p:spTree>
     <p:extLst>
       <p:ext uri="{BB962C8B-B14F-4D97-AF65-F5344CB8AC3E}">
@@ -5064,7 +5094,7 @@
           <a:p>
             <a:r>
               <a:rPr lang="en-US" sz="1800" dirty="0"/>
-              <a:t>You will then have the chance to pay each slot machine a number of times, by pressing ‘p’. After each play, you will observe which banknote that play produced.</a:t>
+              <a:t>You will then have the chance to pay each slot machine a number of times, by pressing ‘1’. After each play, you will observe which banknote that play produced.</a:t>
             </a:r>
           </a:p>
           <a:p>
@@ -5076,7 +5106,7 @@
           <a:p>
             <a:r>
               <a:rPr lang="en-US" sz="1800" dirty="0"/>
-              <a:t>We will repeat this quiz (along with study opportunities) 2 times so that you will be able to fully learn the chance of each slot machine providing either banknote.  Your bonus for this task will be proportional to the total number of quiz questions you answer correctly. Please try to get as many questions correct as you can.</a:t>
+              <a:t>We will repeat this quiz (along with study opportunities) 3 times so that you will be able to fully learn the chance of each slot machine providing either banknote. (Note the third time you won’t play the slot machines). Your bonus for this task will be proportional to the total number of quiz questions you answer correctly. Please try to get as many questions correct as you can.</a:t>
             </a:r>
           </a:p>
         </p:txBody>
@@ -6207,7 +6237,7 @@
             </a:r>
             <a:r>
               <a:rPr lang="en-GB" sz="2000" dirty="0"/>
-              <a:t> (key ‘p’) a slot machine will produce either the </a:t>
+              <a:t> (key ‘1’) a slot machine will produce either the </a:t>
             </a:r>
             <a:r>
               <a:rPr lang="en-GB" sz="2000" b="1" dirty="0"/>
@@ -6269,7 +6299,7 @@
             </a:r>
             <a:r>
               <a:rPr lang="en-GB" sz="2000" dirty="0"/>
-              <a:t> a slot machine (key ‘r’). If you reject a slot machine, you will always get the </a:t>
+              <a:t> a slot machine (key ‘2’). If you reject a slot machine, you will always get the </a:t>
             </a:r>
             <a:r>
               <a:rPr lang="en-GB" sz="2000" b="1" dirty="0"/>
@@ -7428,7 +7458,7 @@
           <a:p>
             <a:r>
               <a:rPr lang="en-GB" sz="2400" dirty="0"/>
-              <a:t>Press ‘p’ to play the slot machine or ‘r’ to reject it. </a:t>
+              <a:t>Press ‘1’ to play the slot machine or ‘2’ to reject it. </a:t>
             </a:r>
           </a:p>
           <a:p>
